--- a/feature_extractor/data/2023.07.25-presentation-opencv-descriptos.pptx
+++ b/feature_extractor/data/2023.07.25-presentation-opencv-descriptos.pptx
@@ -4664,7 +4664,7 @@
                   </a:outerShdw>
                 </a:effectLst>
               </a:rPr>
-              <a:t>Decrease in efficiency</a:t>
+              <a:t>Decrease of efficiency</a:t>
             </a:r>
             <a:endParaRPr lang="ru-RU" dirty="0">
               <a:ln w="0"/>

--- a/feature_extractor/data/2023.07.25-presentation-opencv-descriptos.pptx
+++ b/feature_extractor/data/2023.07.25-presentation-opencv-descriptos.pptx
@@ -275,7 +275,7 @@
           <a:p>
             <a:fld id="{D11072D1-870F-488C-B12D-42D8C2AD2810}" type="datetimeFigureOut">
               <a:rPr lang="ru-RU" smtClean="0"/>
-              <a:t>17.08.2023</a:t>
+              <a:t>31.08.2023</a:t>
             </a:fld>
             <a:endParaRPr lang="ru-RU"/>
           </a:p>
@@ -475,7 +475,7 @@
           <a:p>
             <a:fld id="{D11072D1-870F-488C-B12D-42D8C2AD2810}" type="datetimeFigureOut">
               <a:rPr lang="ru-RU" smtClean="0"/>
-              <a:t>17.08.2023</a:t>
+              <a:t>31.08.2023</a:t>
             </a:fld>
             <a:endParaRPr lang="ru-RU"/>
           </a:p>
@@ -685,7 +685,7 @@
           <a:p>
             <a:fld id="{D11072D1-870F-488C-B12D-42D8C2AD2810}" type="datetimeFigureOut">
               <a:rPr lang="ru-RU" smtClean="0"/>
-              <a:t>17.08.2023</a:t>
+              <a:t>31.08.2023</a:t>
             </a:fld>
             <a:endParaRPr lang="ru-RU"/>
           </a:p>
@@ -885,7 +885,7 @@
           <a:p>
             <a:fld id="{D11072D1-870F-488C-B12D-42D8C2AD2810}" type="datetimeFigureOut">
               <a:rPr lang="ru-RU" smtClean="0"/>
-              <a:t>17.08.2023</a:t>
+              <a:t>31.08.2023</a:t>
             </a:fld>
             <a:endParaRPr lang="ru-RU"/>
           </a:p>
@@ -1161,7 +1161,7 @@
           <a:p>
             <a:fld id="{D11072D1-870F-488C-B12D-42D8C2AD2810}" type="datetimeFigureOut">
               <a:rPr lang="ru-RU" smtClean="0"/>
-              <a:t>17.08.2023</a:t>
+              <a:t>31.08.2023</a:t>
             </a:fld>
             <a:endParaRPr lang="ru-RU"/>
           </a:p>
@@ -1429,7 +1429,7 @@
           <a:p>
             <a:fld id="{D11072D1-870F-488C-B12D-42D8C2AD2810}" type="datetimeFigureOut">
               <a:rPr lang="ru-RU" smtClean="0"/>
-              <a:t>17.08.2023</a:t>
+              <a:t>31.08.2023</a:t>
             </a:fld>
             <a:endParaRPr lang="ru-RU"/>
           </a:p>
@@ -1844,7 +1844,7 @@
           <a:p>
             <a:fld id="{D11072D1-870F-488C-B12D-42D8C2AD2810}" type="datetimeFigureOut">
               <a:rPr lang="ru-RU" smtClean="0"/>
-              <a:t>17.08.2023</a:t>
+              <a:t>31.08.2023</a:t>
             </a:fld>
             <a:endParaRPr lang="ru-RU"/>
           </a:p>
@@ -1986,7 +1986,7 @@
           <a:p>
             <a:fld id="{D11072D1-870F-488C-B12D-42D8C2AD2810}" type="datetimeFigureOut">
               <a:rPr lang="ru-RU" smtClean="0"/>
-              <a:t>17.08.2023</a:t>
+              <a:t>31.08.2023</a:t>
             </a:fld>
             <a:endParaRPr lang="ru-RU"/>
           </a:p>
@@ -2099,7 +2099,7 @@
           <a:p>
             <a:fld id="{D11072D1-870F-488C-B12D-42D8C2AD2810}" type="datetimeFigureOut">
               <a:rPr lang="ru-RU" smtClean="0"/>
-              <a:t>17.08.2023</a:t>
+              <a:t>31.08.2023</a:t>
             </a:fld>
             <a:endParaRPr lang="ru-RU"/>
           </a:p>
@@ -2412,7 +2412,7 @@
           <a:p>
             <a:fld id="{D11072D1-870F-488C-B12D-42D8C2AD2810}" type="datetimeFigureOut">
               <a:rPr lang="ru-RU" smtClean="0"/>
-              <a:t>17.08.2023</a:t>
+              <a:t>31.08.2023</a:t>
             </a:fld>
             <a:endParaRPr lang="ru-RU"/>
           </a:p>
@@ -2701,7 +2701,7 @@
           <a:p>
             <a:fld id="{D11072D1-870F-488C-B12D-42D8C2AD2810}" type="datetimeFigureOut">
               <a:rPr lang="ru-RU" smtClean="0"/>
-              <a:t>17.08.2023</a:t>
+              <a:t>31.08.2023</a:t>
             </a:fld>
             <a:endParaRPr lang="ru-RU"/>
           </a:p>
@@ -2944,7 +2944,7 @@
           <a:p>
             <a:fld id="{D11072D1-870F-488C-B12D-42D8C2AD2810}" type="datetimeFigureOut">
               <a:rPr lang="ru-RU" smtClean="0"/>
-              <a:t>17.08.2023</a:t>
+              <a:t>31.08.2023</a:t>
             </a:fld>
             <a:endParaRPr lang="ru-RU"/>
           </a:p>
